--- a/Presentations/PASS Marathon Portuguese 2020/dbatools' recipes for data professionals.pptx
+++ b/Presentations/PASS Marathon Portuguese 2020/dbatools' recipes for data professionals.pptx
@@ -343,7 +343,7 @@
           <a:p>
             <a:fld id="{2FDEA226-1950-9346-BBCC-45D214247BC3}" type="datetimeFigureOut">
               <a:rPr lang="en-US" smtClean="0"/>
-              <a:t>15-Jul-20</a:t>
+              <a:t>16-Jul-20</a:t>
             </a:fld>
             <a:endParaRPr lang="en-US"/>
           </a:p>
@@ -443,7 +443,7 @@
           <a:p>
             <a:fld id="{A76353FC-0869-45D3-95AF-CC29198471C2}" type="datetimeFigureOut">
               <a:rPr lang="en-US" smtClean="0"/>
-              <a:t>15-Jul-20</a:t>
+              <a:t>16-Jul-20</a:t>
             </a:fld>
             <a:endParaRPr lang="en-US"/>
           </a:p>
@@ -33432,7 +33432,7 @@
           <a:p>
             <a:fld id="{FAF486E5-DD18-483E-999A-F82345049EFE}" type="datetimeFigureOut">
               <a:rPr lang="en-CA" smtClean="0"/>
-              <a:t>2020-07-15</a:t>
+              <a:t>2020-07-16</a:t>
             </a:fld>
             <a:endParaRPr lang="en-CA"/>
           </a:p>
@@ -33884,7 +33884,7 @@
         <p:spPr>
           <a:xfrm>
             <a:off x="501080" y="1336432"/>
-            <a:ext cx="3918520" cy="2086778"/>
+            <a:ext cx="6204520" cy="2086778"/>
           </a:xfrm>
         </p:spPr>
         <p:txBody>
@@ -33893,12 +33893,12 @@
           <a:p>
             <a:pPr fontAlgn="base"/>
             <a:r>
-              <a:rPr lang="en-US" dirty="0">
+              <a:rPr lang="pt-BR" dirty="0">
                 <a:solidFill>
                   <a:srgbClr val="F7941D"/>
                 </a:solidFill>
               </a:rPr>
-              <a:t>		‘ recipes for data professionals</a:t>
+              <a:t>Receitas com o 			para os profissionais de dados</a:t>
             </a:r>
             <a:endParaRPr lang="en-US" dirty="0">
               <a:solidFill>
@@ -33943,7 +33943,7 @@
         </p:blipFill>
         <p:spPr>
           <a:xfrm>
-            <a:off x="659130" y="1699472"/>
+            <a:off x="3603340" y="1689947"/>
             <a:ext cx="902970" cy="1239776"/>
           </a:xfrm>
           <a:prstGeom prst="rect">
@@ -52111,21 +52111,6 @@
 </file>
 
 <file path=customXml/item1.xml><?xml version="1.0" encoding="utf-8"?>
-<?mso-contentType ?>
-<FormTemplates xmlns="http://schemas.microsoft.com/sharepoint/v3/contenttype/forms">
-  <Display>DocumentLibraryForm</Display>
-  <Edit>DocumentLibraryForm</Edit>
-  <New>DocumentLibraryForm</New>
-</FormTemplates>
-</file>
-
-<file path=customXml/item2.xml><?xml version="1.0" encoding="utf-8"?>
-<p:properties xmlns:p="http://schemas.microsoft.com/office/2006/metadata/properties" xmlns:xsi="http://www.w3.org/2001/XMLSchema-instance" xmlns:pc="http://schemas.microsoft.com/office/infopath/2007/PartnerControls">
-  <documentManagement/>
-</p:properties>
-</file>
-
-<file path=customXml/item3.xml><?xml version="1.0" encoding="utf-8"?>
 <ct:contentTypeSchema xmlns:ct="http://schemas.microsoft.com/office/2006/metadata/contentType" xmlns:ma="http://schemas.microsoft.com/office/2006/metadata/properties/metaAttributes" ct:_="" ma:_="" ma:contentTypeName="Document" ma:contentTypeID="0x0101000E70503E65B09C48A66855E9E9369823" ma:contentTypeVersion="10" ma:contentTypeDescription="Create a new document." ma:contentTypeScope="" ma:versionID="54e0fe70ce563c00c1112e822ac56dd8">
   <xsd:schema xmlns:xsd="http://www.w3.org/2001/XMLSchema" xmlns:xs="http://www.w3.org/2001/XMLSchema" xmlns:p="http://schemas.microsoft.com/office/2006/metadata/properties" xmlns:ns2="d10e2f95-430a-4dd6-ae0c-dc822f427a88" targetNamespace="http://schemas.microsoft.com/office/2006/metadata/properties" ma:root="true" ma:fieldsID="e6558bd065b413ad85b0b6436e00a443" ns2:_="">
     <xsd:import namespace="d10e2f95-430a-4dd6-ae0c-dc822f427a88"/>
@@ -52309,10 +52294,35 @@
 </ct:contentTypeSchema>
 </file>
 
+<file path=customXml/item2.xml><?xml version="1.0" encoding="utf-8"?>
+<p:properties xmlns:p="http://schemas.microsoft.com/office/2006/metadata/properties" xmlns:xsi="http://www.w3.org/2001/XMLSchema-instance" xmlns:pc="http://schemas.microsoft.com/office/infopath/2007/PartnerControls">
+  <documentManagement/>
+</p:properties>
+</file>
+
+<file path=customXml/item3.xml><?xml version="1.0" encoding="utf-8"?>
+<?mso-contentType ?>
+<FormTemplates xmlns="http://schemas.microsoft.com/sharepoint/v3/contenttype/forms">
+  <Display>DocumentLibraryForm</Display>
+  <Edit>DocumentLibraryForm</Edit>
+  <New>DocumentLibraryForm</New>
+</FormTemplates>
+</file>
+
 <file path=customXml/itemProps1.xml><?xml version="1.0" encoding="utf-8"?>
-<ds:datastoreItem xmlns:ds="http://schemas.openxmlformats.org/officeDocument/2006/customXml" ds:itemID="{2D6D32B3-B586-4677-8244-7080E36FF048}">
+<ds:datastoreItem xmlns:ds="http://schemas.openxmlformats.org/officeDocument/2006/customXml" ds:itemID="{BD20218C-44B7-4188-98AF-E9743C969F90}">
   <ds:schemaRefs>
-    <ds:schemaRef ds:uri="http://schemas.microsoft.com/sharepoint/v3/contenttype/forms"/>
+    <ds:schemaRef ds:uri="http://schemas.microsoft.com/office/2006/metadata/contentType"/>
+    <ds:schemaRef ds:uri="http://schemas.microsoft.com/office/2006/metadata/properties/metaAttributes"/>
+    <ds:schemaRef ds:uri="http://www.w3.org/2001/XMLSchema"/>
+    <ds:schemaRef ds:uri="http://schemas.microsoft.com/office/2006/metadata/properties"/>
+    <ds:schemaRef ds:uri="d10e2f95-430a-4dd6-ae0c-dc822f427a88"/>
+    <ds:schemaRef ds:uri="http://schemas.microsoft.com/office/2006/documentManagement/types"/>
+    <ds:schemaRef ds:uri="http://schemas.microsoft.com/office/infopath/2007/PartnerControls"/>
+    <ds:schemaRef ds:uri="http://schemas.openxmlformats.org/package/2006/metadata/core-properties"/>
+    <ds:schemaRef ds:uri="http://purl.org/dc/elements/1.1/"/>
+    <ds:schemaRef ds:uri="http://purl.org/dc/terms/"/>
+    <ds:schemaRef ds:uri="http://schemas.microsoft.com/internal/obd"/>
   </ds:schemaRefs>
 </ds:datastoreItem>
 </file>
@@ -52334,19 +52344,9 @@
 </file>
 
 <file path=customXml/itemProps3.xml><?xml version="1.0" encoding="utf-8"?>
-<ds:datastoreItem xmlns:ds="http://schemas.openxmlformats.org/officeDocument/2006/customXml" ds:itemID="{BD20218C-44B7-4188-98AF-E9743C969F90}">
+<ds:datastoreItem xmlns:ds="http://schemas.openxmlformats.org/officeDocument/2006/customXml" ds:itemID="{2D6D32B3-B586-4677-8244-7080E36FF048}">
   <ds:schemaRefs>
-    <ds:schemaRef ds:uri="http://schemas.microsoft.com/office/2006/metadata/contentType"/>
-    <ds:schemaRef ds:uri="http://schemas.microsoft.com/office/2006/metadata/properties/metaAttributes"/>
-    <ds:schemaRef ds:uri="http://www.w3.org/2001/XMLSchema"/>
-    <ds:schemaRef ds:uri="http://schemas.microsoft.com/office/2006/metadata/properties"/>
-    <ds:schemaRef ds:uri="d10e2f95-430a-4dd6-ae0c-dc822f427a88"/>
-    <ds:schemaRef ds:uri="http://schemas.microsoft.com/office/2006/documentManagement/types"/>
-    <ds:schemaRef ds:uri="http://schemas.microsoft.com/office/infopath/2007/PartnerControls"/>
-    <ds:schemaRef ds:uri="http://schemas.openxmlformats.org/package/2006/metadata/core-properties"/>
-    <ds:schemaRef ds:uri="http://purl.org/dc/elements/1.1/"/>
-    <ds:schemaRef ds:uri="http://purl.org/dc/terms/"/>
-    <ds:schemaRef ds:uri="http://schemas.microsoft.com/internal/obd"/>
+    <ds:schemaRef ds:uri="http://schemas.microsoft.com/sharepoint/v3/contenttype/forms"/>
   </ds:schemaRefs>
 </ds:datastoreItem>
 </file>